--- a/Events/events.pptx
+++ b/Events/events.pptx
@@ -317,7 +317,7 @@
           <a:p>
             <a:fld id="{691644EF-BECD-41C8-BB44-E359A5F0E654}" type="datetimeFigureOut">
               <a:rPr lang="en-SG" smtClean="0"/>
-              <a:t>27/7/2023</a:t>
+              <a:t>28/7/2023</a:t>
             </a:fld>
             <a:endParaRPr lang="en-SG"/>
           </a:p>
@@ -487,7 +487,7 @@
           <a:p>
             <a:fld id="{691644EF-BECD-41C8-BB44-E359A5F0E654}" type="datetimeFigureOut">
               <a:rPr lang="en-SG" smtClean="0"/>
-              <a:t>27/7/2023</a:t>
+              <a:t>28/7/2023</a:t>
             </a:fld>
             <a:endParaRPr lang="en-SG"/>
           </a:p>
@@ -667,7 +667,7 @@
           <a:p>
             <a:fld id="{691644EF-BECD-41C8-BB44-E359A5F0E654}" type="datetimeFigureOut">
               <a:rPr lang="en-SG" smtClean="0"/>
-              <a:t>27/7/2023</a:t>
+              <a:t>28/7/2023</a:t>
             </a:fld>
             <a:endParaRPr lang="en-SG"/>
           </a:p>
@@ -837,7 +837,7 @@
           <a:p>
             <a:fld id="{691644EF-BECD-41C8-BB44-E359A5F0E654}" type="datetimeFigureOut">
               <a:rPr lang="en-SG" smtClean="0"/>
-              <a:t>27/7/2023</a:t>
+              <a:t>28/7/2023</a:t>
             </a:fld>
             <a:endParaRPr lang="en-SG"/>
           </a:p>
@@ -1081,7 +1081,7 @@
           <a:p>
             <a:fld id="{691644EF-BECD-41C8-BB44-E359A5F0E654}" type="datetimeFigureOut">
               <a:rPr lang="en-SG" smtClean="0"/>
-              <a:t>27/7/2023</a:t>
+              <a:t>28/7/2023</a:t>
             </a:fld>
             <a:endParaRPr lang="en-SG"/>
           </a:p>
@@ -1313,7 +1313,7 @@
           <a:p>
             <a:fld id="{691644EF-BECD-41C8-BB44-E359A5F0E654}" type="datetimeFigureOut">
               <a:rPr lang="en-SG" smtClean="0"/>
-              <a:t>27/7/2023</a:t>
+              <a:t>28/7/2023</a:t>
             </a:fld>
             <a:endParaRPr lang="en-SG"/>
           </a:p>
@@ -1680,7 +1680,7 @@
           <a:p>
             <a:fld id="{691644EF-BECD-41C8-BB44-E359A5F0E654}" type="datetimeFigureOut">
               <a:rPr lang="en-SG" smtClean="0"/>
-              <a:t>27/7/2023</a:t>
+              <a:t>28/7/2023</a:t>
             </a:fld>
             <a:endParaRPr lang="en-SG"/>
           </a:p>
@@ -1798,7 +1798,7 @@
           <a:p>
             <a:fld id="{691644EF-BECD-41C8-BB44-E359A5F0E654}" type="datetimeFigureOut">
               <a:rPr lang="en-SG" smtClean="0"/>
-              <a:t>27/7/2023</a:t>
+              <a:t>28/7/2023</a:t>
             </a:fld>
             <a:endParaRPr lang="en-SG"/>
           </a:p>
@@ -1893,7 +1893,7 @@
           <a:p>
             <a:fld id="{691644EF-BECD-41C8-BB44-E359A5F0E654}" type="datetimeFigureOut">
               <a:rPr lang="en-SG" smtClean="0"/>
-              <a:t>27/7/2023</a:t>
+              <a:t>28/7/2023</a:t>
             </a:fld>
             <a:endParaRPr lang="en-SG"/>
           </a:p>
@@ -2170,7 +2170,7 @@
           <a:p>
             <a:fld id="{691644EF-BECD-41C8-BB44-E359A5F0E654}" type="datetimeFigureOut">
               <a:rPr lang="en-SG" smtClean="0"/>
-              <a:t>27/7/2023</a:t>
+              <a:t>28/7/2023</a:t>
             </a:fld>
             <a:endParaRPr lang="en-SG"/>
           </a:p>
@@ -2427,7 +2427,7 @@
           <a:p>
             <a:fld id="{691644EF-BECD-41C8-BB44-E359A5F0E654}" type="datetimeFigureOut">
               <a:rPr lang="en-SG" smtClean="0"/>
-              <a:t>27/7/2023</a:t>
+              <a:t>28/7/2023</a:t>
             </a:fld>
             <a:endParaRPr lang="en-SG"/>
           </a:p>
@@ -2640,7 +2640,7 @@
           <a:p>
             <a:fld id="{691644EF-BECD-41C8-BB44-E359A5F0E654}" type="datetimeFigureOut">
               <a:rPr lang="en-SG" smtClean="0"/>
-              <a:t>27/7/2023</a:t>
+              <a:t>28/7/2023</a:t>
             </a:fld>
             <a:endParaRPr lang="en-SG"/>
           </a:p>
@@ -19783,12 +19783,6 @@
                 </a:rPr>
                 <a:t>Cube</a:t>
               </a:r>
-              <a:endParaRPr lang="en-SG" sz="6600">
-                <a:solidFill>
-                  <a:srgbClr val="FF0000"/>
-                </a:solidFill>
-                <a:latin typeface="Charlemagne Std" panose="04020705060702020204" pitchFamily="82" charset="0"/>
-              </a:endParaRPr>
             </a:p>
           </p:txBody>
         </p:sp>
@@ -20415,8 +20409,23 @@
                   </a:solidFill>
                   <a:latin typeface="Charlemagne Std" panose="04020705060702020204" pitchFamily="82" charset="0"/>
                 </a:rPr>
-                <a:t>Chinese edition</a:t>
+                <a:t>Chinese </a:t>
               </a:r>
+              <a:r>
+                <a:rPr lang="en-SG" sz="2800" b="1" smtClean="0">
+                  <a:solidFill>
+                    <a:srgbClr val="FF0000"/>
+                  </a:solidFill>
+                  <a:latin typeface="Charlemagne Std" panose="04020705060702020204" pitchFamily="82" charset="0"/>
+                </a:rPr>
+                <a:t>VERSION</a:t>
+              </a:r>
+              <a:endParaRPr lang="en-SG" sz="2800" b="1" smtClean="0">
+                <a:solidFill>
+                  <a:srgbClr val="FF0000"/>
+                </a:solidFill>
+                <a:latin typeface="Charlemagne Std" panose="04020705060702020204" pitchFamily="82" charset="0"/>
+              </a:endParaRPr>
             </a:p>
           </p:txBody>
         </p:sp>

--- a/Events/events.pptx
+++ b/Events/events.pptx
@@ -317,7 +317,7 @@
           <a:p>
             <a:fld id="{691644EF-BECD-41C8-BB44-E359A5F0E654}" type="datetimeFigureOut">
               <a:rPr lang="en-SG" smtClean="0"/>
-              <a:t>28/7/2023</a:t>
+              <a:t>29/7/2023</a:t>
             </a:fld>
             <a:endParaRPr lang="en-SG"/>
           </a:p>
@@ -487,7 +487,7 @@
           <a:p>
             <a:fld id="{691644EF-BECD-41C8-BB44-E359A5F0E654}" type="datetimeFigureOut">
               <a:rPr lang="en-SG" smtClean="0"/>
-              <a:t>28/7/2023</a:t>
+              <a:t>29/7/2023</a:t>
             </a:fld>
             <a:endParaRPr lang="en-SG"/>
           </a:p>
@@ -667,7 +667,7 @@
           <a:p>
             <a:fld id="{691644EF-BECD-41C8-BB44-E359A5F0E654}" type="datetimeFigureOut">
               <a:rPr lang="en-SG" smtClean="0"/>
-              <a:t>28/7/2023</a:t>
+              <a:t>29/7/2023</a:t>
             </a:fld>
             <a:endParaRPr lang="en-SG"/>
           </a:p>
@@ -837,7 +837,7 @@
           <a:p>
             <a:fld id="{691644EF-BECD-41C8-BB44-E359A5F0E654}" type="datetimeFigureOut">
               <a:rPr lang="en-SG" smtClean="0"/>
-              <a:t>28/7/2023</a:t>
+              <a:t>29/7/2023</a:t>
             </a:fld>
             <a:endParaRPr lang="en-SG"/>
           </a:p>
@@ -1081,7 +1081,7 @@
           <a:p>
             <a:fld id="{691644EF-BECD-41C8-BB44-E359A5F0E654}" type="datetimeFigureOut">
               <a:rPr lang="en-SG" smtClean="0"/>
-              <a:t>28/7/2023</a:t>
+              <a:t>29/7/2023</a:t>
             </a:fld>
             <a:endParaRPr lang="en-SG"/>
           </a:p>
@@ -1313,7 +1313,7 @@
           <a:p>
             <a:fld id="{691644EF-BECD-41C8-BB44-E359A5F0E654}" type="datetimeFigureOut">
               <a:rPr lang="en-SG" smtClean="0"/>
-              <a:t>28/7/2023</a:t>
+              <a:t>29/7/2023</a:t>
             </a:fld>
             <a:endParaRPr lang="en-SG"/>
           </a:p>
@@ -1680,7 +1680,7 @@
           <a:p>
             <a:fld id="{691644EF-BECD-41C8-BB44-E359A5F0E654}" type="datetimeFigureOut">
               <a:rPr lang="en-SG" smtClean="0"/>
-              <a:t>28/7/2023</a:t>
+              <a:t>29/7/2023</a:t>
             </a:fld>
             <a:endParaRPr lang="en-SG"/>
           </a:p>
@@ -1798,7 +1798,7 @@
           <a:p>
             <a:fld id="{691644EF-BECD-41C8-BB44-E359A5F0E654}" type="datetimeFigureOut">
               <a:rPr lang="en-SG" smtClean="0"/>
-              <a:t>28/7/2023</a:t>
+              <a:t>29/7/2023</a:t>
             </a:fld>
             <a:endParaRPr lang="en-SG"/>
           </a:p>
@@ -1893,7 +1893,7 @@
           <a:p>
             <a:fld id="{691644EF-BECD-41C8-BB44-E359A5F0E654}" type="datetimeFigureOut">
               <a:rPr lang="en-SG" smtClean="0"/>
-              <a:t>28/7/2023</a:t>
+              <a:t>29/7/2023</a:t>
             </a:fld>
             <a:endParaRPr lang="en-SG"/>
           </a:p>
@@ -2170,7 +2170,7 @@
           <a:p>
             <a:fld id="{691644EF-BECD-41C8-BB44-E359A5F0E654}" type="datetimeFigureOut">
               <a:rPr lang="en-SG" smtClean="0"/>
-              <a:t>28/7/2023</a:t>
+              <a:t>29/7/2023</a:t>
             </a:fld>
             <a:endParaRPr lang="en-SG"/>
           </a:p>
@@ -2427,7 +2427,7 @@
           <a:p>
             <a:fld id="{691644EF-BECD-41C8-BB44-E359A5F0E654}" type="datetimeFigureOut">
               <a:rPr lang="en-SG" smtClean="0"/>
-              <a:t>28/7/2023</a:t>
+              <a:t>29/7/2023</a:t>
             </a:fld>
             <a:endParaRPr lang="en-SG"/>
           </a:p>
@@ -2640,7 +2640,7 @@
           <a:p>
             <a:fld id="{691644EF-BECD-41C8-BB44-E359A5F0E654}" type="datetimeFigureOut">
               <a:rPr lang="en-SG" smtClean="0"/>
-              <a:t>28/7/2023</a:t>
+              <a:t>29/7/2023</a:t>
             </a:fld>
             <a:endParaRPr lang="en-SG"/>
           </a:p>
@@ -20176,7 +20176,7 @@
           </p:nvSpPr>
           <p:spPr>
             <a:xfrm>
-              <a:off x="16807381" y="4100399"/>
+              <a:off x="9010368" y="3435714"/>
               <a:ext cx="4430308" cy="461665"/>
             </a:xfrm>
             <a:prstGeom prst="rect">
@@ -20244,10 +20244,10 @@
           </p:nvGrpSpPr>
           <p:grpSpPr>
             <a:xfrm>
-              <a:off x="2900009" y="3162300"/>
-              <a:ext cx="3888095" cy="2370252"/>
-              <a:chOff x="-247193" y="569451"/>
-              <a:chExt cx="3888095" cy="2456047"/>
+              <a:off x="1034003" y="3061029"/>
+              <a:ext cx="3888095" cy="2037758"/>
+              <a:chOff x="-2113199" y="464514"/>
+              <a:chExt cx="3888095" cy="2111518"/>
             </a:xfrm>
           </p:grpSpPr>
           <p:sp>
@@ -20258,8 +20258,8 @@
             </p:nvSpPr>
             <p:spPr>
               <a:xfrm flipV="1">
-                <a:off x="-247193" y="569451"/>
-                <a:ext cx="3580613" cy="2456047"/>
+                <a:off x="-2113199" y="464514"/>
+                <a:ext cx="3580613" cy="2111518"/>
               </a:xfrm>
               <a:prstGeom prst="parallelogram">
                 <a:avLst/>
@@ -20310,7 +20310,7 @@
             </p:nvSpPr>
             <p:spPr>
               <a:xfrm>
-                <a:off x="233314" y="875449"/>
+                <a:off x="-1632692" y="770512"/>
                 <a:ext cx="3407588" cy="1446550"/>
               </a:xfrm>
               <a:prstGeom prst="rect">
@@ -20409,23 +20409,8 @@
                   </a:solidFill>
                   <a:latin typeface="Charlemagne Std" panose="04020705060702020204" pitchFamily="82" charset="0"/>
                 </a:rPr>
-                <a:t>Chinese </a:t>
+                <a:t>Chinese VERSION</a:t>
               </a:r>
-              <a:r>
-                <a:rPr lang="en-SG" sz="2800" b="1" smtClean="0">
-                  <a:solidFill>
-                    <a:srgbClr val="FF0000"/>
-                  </a:solidFill>
-                  <a:latin typeface="Charlemagne Std" panose="04020705060702020204" pitchFamily="82" charset="0"/>
-                </a:rPr>
-                <a:t>VERSION</a:t>
-              </a:r>
-              <a:endParaRPr lang="en-SG" sz="2800" b="1" smtClean="0">
-                <a:solidFill>
-                  <a:srgbClr val="FF0000"/>
-                </a:solidFill>
-                <a:latin typeface="Charlemagne Std" panose="04020705060702020204" pitchFamily="82" charset="0"/>
-              </a:endParaRPr>
             </a:p>
           </p:txBody>
         </p:sp>

--- a/Events/events.pptx
+++ b/Events/events.pptx
@@ -317,7 +317,7 @@
           <a:p>
             <a:fld id="{691644EF-BECD-41C8-BB44-E359A5F0E654}" type="datetimeFigureOut">
               <a:rPr lang="en-SG" smtClean="0"/>
-              <a:t>29/7/2023</a:t>
+              <a:t>2/8/2023</a:t>
             </a:fld>
             <a:endParaRPr lang="en-SG"/>
           </a:p>
@@ -487,7 +487,7 @@
           <a:p>
             <a:fld id="{691644EF-BECD-41C8-BB44-E359A5F0E654}" type="datetimeFigureOut">
               <a:rPr lang="en-SG" smtClean="0"/>
-              <a:t>29/7/2023</a:t>
+              <a:t>2/8/2023</a:t>
             </a:fld>
             <a:endParaRPr lang="en-SG"/>
           </a:p>
@@ -667,7 +667,7 @@
           <a:p>
             <a:fld id="{691644EF-BECD-41C8-BB44-E359A5F0E654}" type="datetimeFigureOut">
               <a:rPr lang="en-SG" smtClean="0"/>
-              <a:t>29/7/2023</a:t>
+              <a:t>2/8/2023</a:t>
             </a:fld>
             <a:endParaRPr lang="en-SG"/>
           </a:p>
@@ -837,7 +837,7 @@
           <a:p>
             <a:fld id="{691644EF-BECD-41C8-BB44-E359A5F0E654}" type="datetimeFigureOut">
               <a:rPr lang="en-SG" smtClean="0"/>
-              <a:t>29/7/2023</a:t>
+              <a:t>2/8/2023</a:t>
             </a:fld>
             <a:endParaRPr lang="en-SG"/>
           </a:p>
@@ -1081,7 +1081,7 @@
           <a:p>
             <a:fld id="{691644EF-BECD-41C8-BB44-E359A5F0E654}" type="datetimeFigureOut">
               <a:rPr lang="en-SG" smtClean="0"/>
-              <a:t>29/7/2023</a:t>
+              <a:t>2/8/2023</a:t>
             </a:fld>
             <a:endParaRPr lang="en-SG"/>
           </a:p>
@@ -1313,7 +1313,7 @@
           <a:p>
             <a:fld id="{691644EF-BECD-41C8-BB44-E359A5F0E654}" type="datetimeFigureOut">
               <a:rPr lang="en-SG" smtClean="0"/>
-              <a:t>29/7/2023</a:t>
+              <a:t>2/8/2023</a:t>
             </a:fld>
             <a:endParaRPr lang="en-SG"/>
           </a:p>
@@ -1680,7 +1680,7 @@
           <a:p>
             <a:fld id="{691644EF-BECD-41C8-BB44-E359A5F0E654}" type="datetimeFigureOut">
               <a:rPr lang="en-SG" smtClean="0"/>
-              <a:t>29/7/2023</a:t>
+              <a:t>2/8/2023</a:t>
             </a:fld>
             <a:endParaRPr lang="en-SG"/>
           </a:p>
@@ -1798,7 +1798,7 @@
           <a:p>
             <a:fld id="{691644EF-BECD-41C8-BB44-E359A5F0E654}" type="datetimeFigureOut">
               <a:rPr lang="en-SG" smtClean="0"/>
-              <a:t>29/7/2023</a:t>
+              <a:t>2/8/2023</a:t>
             </a:fld>
             <a:endParaRPr lang="en-SG"/>
           </a:p>
@@ -1893,7 +1893,7 @@
           <a:p>
             <a:fld id="{691644EF-BECD-41C8-BB44-E359A5F0E654}" type="datetimeFigureOut">
               <a:rPr lang="en-SG" smtClean="0"/>
-              <a:t>29/7/2023</a:t>
+              <a:t>2/8/2023</a:t>
             </a:fld>
             <a:endParaRPr lang="en-SG"/>
           </a:p>
@@ -2170,7 +2170,7 @@
           <a:p>
             <a:fld id="{691644EF-BECD-41C8-BB44-E359A5F0E654}" type="datetimeFigureOut">
               <a:rPr lang="en-SG" smtClean="0"/>
-              <a:t>29/7/2023</a:t>
+              <a:t>2/8/2023</a:t>
             </a:fld>
             <a:endParaRPr lang="en-SG"/>
           </a:p>
@@ -2427,7 +2427,7 @@
           <a:p>
             <a:fld id="{691644EF-BECD-41C8-BB44-E359A5F0E654}" type="datetimeFigureOut">
               <a:rPr lang="en-SG" smtClean="0"/>
-              <a:t>29/7/2023</a:t>
+              <a:t>2/8/2023</a:t>
             </a:fld>
             <a:endParaRPr lang="en-SG"/>
           </a:p>
@@ -2640,7 +2640,7 @@
           <a:p>
             <a:fld id="{691644EF-BECD-41C8-BB44-E359A5F0E654}" type="datetimeFigureOut">
               <a:rPr lang="en-SG" smtClean="0"/>
-              <a:t>29/7/2023</a:t>
+              <a:t>2/8/2023</a:t>
             </a:fld>
             <a:endParaRPr lang="en-SG"/>
           </a:p>
@@ -3790,10 +3790,10 @@
           </p:nvGrpSpPr>
           <p:grpSpPr>
             <a:xfrm>
-              <a:off x="10827619" y="8076018"/>
-              <a:ext cx="1385506" cy="1231733"/>
-              <a:chOff x="-3966537" y="10642650"/>
-              <a:chExt cx="1343320" cy="1178110"/>
+              <a:off x="10762580" y="8076018"/>
+              <a:ext cx="1527674" cy="1231733"/>
+              <a:chOff x="-4029594" y="10642650"/>
+              <a:chExt cx="1481159" cy="1178110"/>
             </a:xfrm>
           </p:grpSpPr>
           <p:pic>
@@ -3834,8 +3834,8 @@
             </p:nvSpPr>
             <p:spPr>
               <a:xfrm>
-                <a:off x="-3965181" y="10792156"/>
-                <a:ext cx="1341964" cy="780101"/>
+                <a:off x="-4029594" y="10896594"/>
+                <a:ext cx="1481159" cy="618193"/>
               </a:xfrm>
               <a:prstGeom prst="rect">
                 <a:avLst/>
@@ -3850,7 +3850,7 @@
               <a:p>
                 <a:pPr algn="ctr"/>
                 <a:r>
-                  <a:rPr lang="en-SG" sz="1100" smtClean="0">
+                  <a:rPr lang="en-SG" smtClean="0">
                     <a:ln w="0"/>
                     <a:solidFill>
                       <a:schemeClr val="bg1"/>
@@ -3865,13 +3865,13 @@
                     <a:latin typeface="Arial" panose="020B0604020202020204" pitchFamily="34" charset="0"/>
                     <a:cs typeface="Arial" panose="020B0604020202020204" pitchFamily="34" charset="0"/>
                   </a:rPr>
-                  <a:t>introductory price</a:t>
+                  <a:t>Introductory</a:t>
                 </a:r>
               </a:p>
               <a:p>
                 <a:pPr algn="ctr"/>
                 <a:r>
-                  <a:rPr lang="en-SG" sz="3600">
+                  <a:rPr lang="en-SG" smtClean="0">
                     <a:ln w="0"/>
                     <a:solidFill>
                       <a:schemeClr val="bg1"/>
@@ -3886,8 +3886,23 @@
                     <a:latin typeface="Arial" panose="020B0604020202020204" pitchFamily="34" charset="0"/>
                     <a:cs typeface="Arial" panose="020B0604020202020204" pitchFamily="34" charset="0"/>
                   </a:rPr>
-                  <a:t>$68</a:t>
+                  <a:t>Price</a:t>
                 </a:r>
+                <a:endParaRPr lang="en-SG" smtClean="0">
+                  <a:ln w="0"/>
+                  <a:solidFill>
+                    <a:schemeClr val="bg1"/>
+                  </a:solidFill>
+                  <a:effectLst>
+                    <a:outerShdw blurRad="38100" dist="19050" dir="2700000" algn="tl" rotWithShape="0">
+                      <a:schemeClr val="dk1">
+                        <a:alpha val="40000"/>
+                      </a:schemeClr>
+                    </a:outerShdw>
+                  </a:effectLst>
+                  <a:latin typeface="Arial" panose="020B0604020202020204" pitchFamily="34" charset="0"/>
+                  <a:cs typeface="Arial" panose="020B0604020202020204" pitchFamily="34" charset="0"/>
+                </a:endParaRPr>
               </a:p>
             </p:txBody>
           </p:sp>
